--- a/数字系统实验及作业/verilog_designer/proposal.pptx
+++ b/数字系统实验及作业/verilog_designer/proposal.pptx
@@ -242,7 +242,7 @@
           <a:p>
             <a:fld id="{ED59CEFA-3B3E-42C0-9BB8-D93BA9F8D695}" type="datetimeFigureOut">
               <a:rPr lang="zh-CN" altLang="en-US" smtClean="0"/>
-              <a:t>2022/4/25</a:t>
+              <a:t>2023/6/25</a:t>
             </a:fld>
             <a:endParaRPr lang="zh-CN" altLang="en-US"/>
           </a:p>
@@ -407,7 +407,7 @@
           <a:p>
             <a:fld id="{E9C7C8D6-8378-491C-A88C-F5C0F1DDB3DF}" type="datetimeFigureOut">
               <a:rPr lang="zh-CN" altLang="en-US" smtClean="0"/>
-              <a:t>2022/4/25</a:t>
+              <a:t>2023/6/25</a:t>
             </a:fld>
             <a:endParaRPr lang="zh-CN" altLang="en-US"/>
           </a:p>
@@ -821,7 +821,7 @@
           <a:p>
             <a:fld id="{EE4C556E-D11A-48D7-81C0-B1B5323EC136}" type="datetimeFigureOut">
               <a:rPr lang="zh-CN" altLang="en-US" smtClean="0"/>
-              <a:t>2022/4/25</a:t>
+              <a:t>2023/6/25</a:t>
             </a:fld>
             <a:endParaRPr lang="zh-CN" altLang="en-US"/>
           </a:p>
@@ -1109,7 +1109,7 @@
           <a:p>
             <a:fld id="{EE4C556E-D11A-48D7-81C0-B1B5323EC136}" type="datetimeFigureOut">
               <a:rPr lang="zh-CN" altLang="en-US" smtClean="0"/>
-              <a:t>2022/4/25</a:t>
+              <a:t>2023/6/25</a:t>
             </a:fld>
             <a:endParaRPr lang="zh-CN" altLang="en-US"/>
           </a:p>
@@ -1307,7 +1307,7 @@
           <a:p>
             <a:fld id="{EE4C556E-D11A-48D7-81C0-B1B5323EC136}" type="datetimeFigureOut">
               <a:rPr lang="zh-CN" altLang="en-US" smtClean="0"/>
-              <a:t>2022/4/25</a:t>
+              <a:t>2023/6/25</a:t>
             </a:fld>
             <a:endParaRPr lang="zh-CN" altLang="en-US"/>
           </a:p>
@@ -1515,7 +1515,7 @@
           <a:p>
             <a:fld id="{EE4C556E-D11A-48D7-81C0-B1B5323EC136}" type="datetimeFigureOut">
               <a:rPr lang="zh-CN" altLang="en-US" smtClean="0"/>
-              <a:t>2022/4/25</a:t>
+              <a:t>2023/6/25</a:t>
             </a:fld>
             <a:endParaRPr lang="zh-CN" altLang="en-US"/>
           </a:p>
@@ -1724,7 +1724,7 @@
                 </a:solidFill>
               </a:rPr>
               <a:pPr/>
-              <a:t>2022/4/25</a:t>
+              <a:t>2023/6/25</a:t>
             </a:fld>
             <a:endParaRPr lang="zh-CN" altLang="en-US">
               <a:solidFill>
@@ -1954,7 +1954,7 @@
                 </a:solidFill>
               </a:rPr>
               <a:pPr/>
-              <a:t>2022/4/25</a:t>
+              <a:t>2023/6/25</a:t>
             </a:fld>
             <a:endParaRPr lang="zh-CN" altLang="en-US">
               <a:solidFill>
@@ -2203,7 +2203,7 @@
           <a:p>
             <a:fld id="{EE4C556E-D11A-48D7-81C0-B1B5323EC136}" type="datetimeFigureOut">
               <a:rPr lang="zh-CN" altLang="en-US" smtClean="0"/>
-              <a:t>2022/4/25</a:t>
+              <a:t>2023/6/25</a:t>
             </a:fld>
             <a:endParaRPr lang="zh-CN" altLang="en-US"/>
           </a:p>
@@ -2478,7 +2478,7 @@
           <a:p>
             <a:fld id="{EE4C556E-D11A-48D7-81C0-B1B5323EC136}" type="datetimeFigureOut">
               <a:rPr lang="zh-CN" altLang="en-US" smtClean="0"/>
-              <a:t>2022/4/25</a:t>
+              <a:t>2023/6/25</a:t>
             </a:fld>
             <a:endParaRPr lang="zh-CN" altLang="en-US"/>
           </a:p>
@@ -2743,7 +2743,7 @@
           <a:p>
             <a:fld id="{EE4C556E-D11A-48D7-81C0-B1B5323EC136}" type="datetimeFigureOut">
               <a:rPr lang="zh-CN" altLang="en-US" smtClean="0"/>
-              <a:t>2022/4/25</a:t>
+              <a:t>2023/6/25</a:t>
             </a:fld>
             <a:endParaRPr lang="zh-CN" altLang="en-US"/>
           </a:p>
@@ -3155,7 +3155,7 @@
           <a:p>
             <a:fld id="{EE4C556E-D11A-48D7-81C0-B1B5323EC136}" type="datetimeFigureOut">
               <a:rPr lang="zh-CN" altLang="en-US" smtClean="0"/>
-              <a:t>2022/4/25</a:t>
+              <a:t>2023/6/25</a:t>
             </a:fld>
             <a:endParaRPr lang="zh-CN" altLang="en-US"/>
           </a:p>
@@ -3567,7 +3567,7 @@
           <a:p>
             <a:fld id="{EE4C556E-D11A-48D7-81C0-B1B5323EC136}" type="datetimeFigureOut">
               <a:rPr lang="zh-CN" altLang="en-US" smtClean="0"/>
-              <a:t>2022/4/25</a:t>
+              <a:t>2023/6/25</a:t>
             </a:fld>
             <a:endParaRPr lang="zh-CN" altLang="en-US"/>
           </a:p>
@@ -3833,7 +3833,7 @@
           <a:p>
             <a:fld id="{EE4C556E-D11A-48D7-81C0-B1B5323EC136}" type="datetimeFigureOut">
               <a:rPr lang="zh-CN" altLang="en-US" smtClean="0"/>
-              <a:t>2022/4/25</a:t>
+              <a:t>2023/6/25</a:t>
             </a:fld>
             <a:endParaRPr lang="zh-CN" altLang="en-US"/>
           </a:p>
@@ -3946,7 +3946,7 @@
           <a:p>
             <a:fld id="{EE4C556E-D11A-48D7-81C0-B1B5323EC136}" type="datetimeFigureOut">
               <a:rPr lang="zh-CN" altLang="en-US" smtClean="0"/>
-              <a:t>2022/4/25</a:t>
+              <a:t>2023/6/25</a:t>
             </a:fld>
             <a:endParaRPr lang="zh-CN" altLang="en-US"/>
           </a:p>
@@ -4257,7 +4257,7 @@
           <a:p>
             <a:fld id="{EE4C556E-D11A-48D7-81C0-B1B5323EC136}" type="datetimeFigureOut">
               <a:rPr lang="zh-CN" altLang="en-US" smtClean="0"/>
-              <a:t>2022/4/25</a:t>
+              <a:t>2023/6/25</a:t>
             </a:fld>
             <a:endParaRPr lang="zh-CN" altLang="en-US"/>
           </a:p>
@@ -4501,7 +4501,7 @@
           <a:p>
             <a:fld id="{EE4C556E-D11A-48D7-81C0-B1B5323EC136}" type="datetimeFigureOut">
               <a:rPr lang="zh-CN" altLang="en-US" smtClean="0"/>
-              <a:t>2022/4/25</a:t>
+              <a:t>2023/6/25</a:t>
             </a:fld>
             <a:endParaRPr lang="zh-CN" altLang="en-US"/>
           </a:p>
@@ -5626,7 +5626,21 @@
                 <a:cs typeface="+mn-ea"/>
                 <a:sym typeface="+mn-lt"/>
               </a:rPr>
-              <a:t>组长：谌梓轩</a:t>
+              <a:t>组长：</a:t>
+            </a:r>
+            <a:r>
+              <a:rPr lang="en-US" altLang="zh-CN" sz="2000" dirty="0" err="1">
+                <a:cs typeface="+mn-ea"/>
+                <a:sym typeface="+mn-lt"/>
+              </a:rPr>
+              <a:t>szx</a:t>
+            </a:r>
+            <a:r>
+              <a:rPr lang="zh-CN" altLang="en-US" sz="2000" dirty="0">
+                <a:cs typeface="+mn-ea"/>
+                <a:sym typeface="+mn-lt"/>
+              </a:rPr>
+              <a:t>           </a:t>
             </a:r>
             <a:endParaRPr lang="en-US" altLang="zh-CN" sz="2000" dirty="0">
               <a:cs typeface="+mn-ea"/>
@@ -5640,8 +5654,33 @@
                 <a:cs typeface="+mn-ea"/>
                 <a:sym typeface="+mn-lt"/>
               </a:rPr>
-              <a:t>            组员：曾天扬  蔡馨毅</a:t>
-            </a:r>
+              <a:t> 组员：</a:t>
+            </a:r>
+            <a:r>
+              <a:rPr lang="en-US" altLang="zh-CN" sz="2000" dirty="0" err="1">
+                <a:cs typeface="+mn-ea"/>
+                <a:sym typeface="+mn-lt"/>
+              </a:rPr>
+              <a:t>zty</a:t>
+            </a:r>
+            <a:r>
+              <a:rPr lang="en-US" altLang="zh-CN" sz="2000" dirty="0">
+                <a:cs typeface="+mn-ea"/>
+                <a:sym typeface="+mn-lt"/>
+              </a:rPr>
+              <a:t> </a:t>
+            </a:r>
+            <a:r>
+              <a:rPr lang="en-US" altLang="zh-CN" sz="2000" dirty="0" err="1">
+                <a:cs typeface="+mn-ea"/>
+                <a:sym typeface="+mn-lt"/>
+              </a:rPr>
+              <a:t>cxy</a:t>
+            </a:r>
+            <a:endParaRPr lang="zh-CN" altLang="en-US" sz="2000" dirty="0">
+              <a:cs typeface="+mn-ea"/>
+              <a:sym typeface="+mn-lt"/>
+            </a:endParaRPr>
           </a:p>
         </p:txBody>
       </p:sp>
@@ -5655,13 +5694,13 @@
   <p:clrMapOvr>
     <a:masterClrMapping/>
   </p:clrMapOvr>
-  <mc:AlternateContent xmlns:mc="http://schemas.openxmlformats.org/markup-compatibility/2006">
-    <mc:Choice xmlns:p14="http://schemas.microsoft.com/office/powerpoint/2010/main" Requires="p14">
+  <mc:AlternateContent xmlns:mc="http://schemas.openxmlformats.org/markup-compatibility/2006" xmlns:p14="http://schemas.microsoft.com/office/powerpoint/2010/main">
+    <mc:Choice Requires="p14">
       <p:transition spd="slow" p14:dur="1500">
         <p:split orient="vert"/>
       </p:transition>
     </mc:Choice>
-    <mc:Fallback>
+    <mc:Fallback xmlns="">
       <p:transition spd="slow">
         <p:split orient="vert"/>
       </p:transition>
@@ -6397,13 +6436,13 @@
   <p:clrMapOvr>
     <a:masterClrMapping/>
   </p:clrMapOvr>
-  <mc:AlternateContent xmlns:mc="http://schemas.openxmlformats.org/markup-compatibility/2006">
-    <mc:Choice xmlns:p14="http://schemas.microsoft.com/office/powerpoint/2010/main" Requires="p14">
+  <mc:AlternateContent xmlns:mc="http://schemas.openxmlformats.org/markup-compatibility/2006" xmlns:p14="http://schemas.microsoft.com/office/powerpoint/2010/main">
+    <mc:Choice Requires="p14">
       <p:transition spd="slow" p14:dur="1200">
         <p:dissolve/>
       </p:transition>
     </mc:Choice>
-    <mc:Fallback>
+    <mc:Fallback xmlns="">
       <p:transition spd="slow">
         <p:dissolve/>
       </p:transition>
@@ -6832,13 +6871,13 @@
   <p:clrMapOvr>
     <a:masterClrMapping/>
   </p:clrMapOvr>
-  <mc:AlternateContent xmlns:mc="http://schemas.openxmlformats.org/markup-compatibility/2006">
-    <mc:Choice xmlns:p14="http://schemas.microsoft.com/office/powerpoint/2010/main" Requires="p14">
+  <mc:AlternateContent xmlns:mc="http://schemas.openxmlformats.org/markup-compatibility/2006" xmlns:p14="http://schemas.microsoft.com/office/powerpoint/2010/main">
+    <mc:Choice Requires="p14">
       <p:transition spd="slow" p14:dur="1500">
         <p:split orient="vert"/>
       </p:transition>
     </mc:Choice>
-    <mc:Fallback>
+    <mc:Fallback xmlns="">
       <p:transition spd="slow">
         <p:split orient="vert"/>
       </p:transition>
@@ -10351,13 +10390,13 @@
   <p:clrMapOvr>
     <a:masterClrMapping/>
   </p:clrMapOvr>
-  <mc:AlternateContent xmlns:mc="http://schemas.openxmlformats.org/markup-compatibility/2006">
-    <mc:Choice xmlns:p15="http://schemas.microsoft.com/office/powerpoint/2012/main" Requires="p15">
+  <mc:AlternateContent xmlns:mc="http://schemas.openxmlformats.org/markup-compatibility/2006" xmlns:p15="http://schemas.microsoft.com/office/powerpoint/2012/main">
+    <mc:Choice Requires="p15">
       <p:transition xmlns:p14="http://schemas.microsoft.com/office/powerpoint/2010/main" spd="slow" p14:dur="1250">
         <p15:prstTrans prst="peelOff"/>
       </p:transition>
     </mc:Choice>
-    <mc:Fallback>
+    <mc:Fallback xmlns="">
       <p:transition spd="slow">
         <p:fade/>
       </p:transition>
@@ -12364,13 +12403,13 @@
   <p:clrMapOvr>
     <a:masterClrMapping/>
   </p:clrMapOvr>
-  <mc:AlternateContent xmlns:mc="http://schemas.openxmlformats.org/markup-compatibility/2006">
-    <mc:Choice xmlns:p14="http://schemas.microsoft.com/office/powerpoint/2010/main" Requires="p14">
+  <mc:AlternateContent xmlns:mc="http://schemas.openxmlformats.org/markup-compatibility/2006" xmlns:p14="http://schemas.microsoft.com/office/powerpoint/2010/main">
+    <mc:Choice Requires="p14">
       <p:transition spd="slow" p14:dur="1200">
         <p:dissolve/>
       </p:transition>
     </mc:Choice>
-    <mc:Fallback>
+    <mc:Fallback xmlns="">
       <p:transition spd="slow">
         <p:dissolve/>
       </p:transition>
@@ -13905,13 +13944,13 @@
   <p:clrMapOvr>
     <a:masterClrMapping/>
   </p:clrMapOvr>
-  <mc:AlternateContent xmlns:mc="http://schemas.openxmlformats.org/markup-compatibility/2006">
-    <mc:Choice xmlns:p15="http://schemas.microsoft.com/office/powerpoint/2012/main" Requires="p15">
+  <mc:AlternateContent xmlns:mc="http://schemas.openxmlformats.org/markup-compatibility/2006" xmlns:p15="http://schemas.microsoft.com/office/powerpoint/2012/main">
+    <mc:Choice Requires="p15">
       <p:transition xmlns:p14="http://schemas.microsoft.com/office/powerpoint/2010/main" spd="slow" p14:dur="1250">
         <p15:prstTrans prst="peelOff"/>
       </p:transition>
     </mc:Choice>
-    <mc:Fallback>
+    <mc:Fallback xmlns="">
       <p:transition spd="slow">
         <p:fade/>
       </p:transition>
